--- a/Python_Workshop_Intro_Slides.pptx
+++ b/Python_Workshop_Intro_Slides.pptx
@@ -3912,11 +3912,19 @@
               <a:t> (</a:t>
             </a:r>
             <a:r>
-              <a:rPr lang="en-US" sz="2000" dirty="0"/>
-              <a:t>https://www.youtube.com/shorts/FSAlUilQTwA</a:t>
-            </a:r>
-            <a:r>
-              <a:rPr lang="en-US" dirty="0"/>
+              <a:rPr lang="en-US" sz="2000" dirty="0">
+                <a:hlinkClick r:id="rId2"/>
+              </a:rPr>
+              <a:t>https://www.youtube.com/shorts/</a:t>
+            </a:r>
+            <a:r>
+              <a:rPr lang="en-US" sz="2000">
+                <a:hlinkClick r:id="rId2"/>
+              </a:rPr>
+              <a:t>FSAlUilQTwA</a:t>
+            </a:r>
+            <a:r>
+              <a:rPr lang="en-US"/>
               <a:t>)</a:t>
             </a:r>
             <a:endParaRPr dirty="0"/>

--- a/Python_Workshop_Intro_Slides.pptx
+++ b/Python_Workshop_Intro_Slides.pptx
@@ -3118,6 +3118,7 @@
           <a:lstStyle/>
           <a:p>
             <a:r>
+              <a:rPr dirty="0"/>
               <a:t>Python Workshop</a:t>
             </a:r>
           </a:p>
@@ -3743,6 +3744,7 @@
           <a:lstStyle/>
           <a:p>
             <a:r>
+              <a:rPr dirty="0"/>
               <a:t>📌 Workshop Agenda</a:t>
             </a:r>
           </a:p>
@@ -3877,6 +3879,7 @@
           <a:lstStyle/>
           <a:p>
             <a:r>
+              <a:rPr dirty="0"/>
               <a:t>🐍 What is Python?</a:t>
             </a:r>
           </a:p>
@@ -3915,16 +3918,10 @@
               <a:rPr lang="en-US" sz="2000" dirty="0">
                 <a:hlinkClick r:id="rId2"/>
               </a:rPr>
-              <a:t>https://www.youtube.com/shorts/</a:t>
-            </a:r>
-            <a:r>
-              <a:rPr lang="en-US" sz="2000">
-                <a:hlinkClick r:id="rId2"/>
-              </a:rPr>
-              <a:t>FSAlUilQTwA</a:t>
-            </a:r>
-            <a:r>
-              <a:rPr lang="en-US"/>
+              <a:t>https://www.youtube.com/shorts/FSAlUilQTwA</a:t>
+            </a:r>
+            <a:r>
+              <a:rPr lang="en-US" dirty="0"/>
               <a:t>)</a:t>
             </a:r>
             <a:endParaRPr dirty="0"/>
@@ -3978,6 +3975,7 @@
           <a:lstStyle/>
           <a:p>
             <a:r>
+              <a:rPr dirty="0"/>
               <a:t>💡 Why Learn Python?</a:t>
             </a:r>
           </a:p>
@@ -4066,6 +4064,7 @@
           <a:lstStyle/>
           <a:p>
             <a:r>
+              <a:rPr dirty="0"/>
               <a:t>🛠️ What Can You Build With Python?</a:t>
             </a:r>
           </a:p>
@@ -4158,6 +4157,7 @@
           <a:lstStyle/>
           <a:p>
             <a:r>
+              <a:rPr dirty="0"/>
               <a:t>⚙️ How Python Code Runs</a:t>
             </a:r>
           </a:p>
@@ -4350,6 +4350,7 @@
           <a:lstStyle/>
           <a:p>
             <a:r>
+              <a:rPr dirty="0"/>
               <a:t>👋 Your First Python Code</a:t>
             </a:r>
           </a:p>
